--- a/UI.pptx
+++ b/UI.pptx
@@ -260,7 +260,7 @@
           <a:p>
             <a:fld id="{B4C0091E-5610-487D-BACF-A764EC392025}" type="datetimeFigureOut">
               <a:rPr lang="zh-CN" altLang="en-US" smtClean="0"/>
-              <a:t>2019/11/20</a:t>
+              <a:t>2019/11/24 Sunday</a:t>
             </a:fld>
             <a:endParaRPr lang="zh-CN" altLang="en-US"/>
           </a:p>
@@ -458,7 +458,7 @@
           <a:p>
             <a:fld id="{B4C0091E-5610-487D-BACF-A764EC392025}" type="datetimeFigureOut">
               <a:rPr lang="zh-CN" altLang="en-US" smtClean="0"/>
-              <a:t>2019/11/20</a:t>
+              <a:t>2019/11/24 Sunday</a:t>
             </a:fld>
             <a:endParaRPr lang="zh-CN" altLang="en-US"/>
           </a:p>
@@ -666,7 +666,7 @@
           <a:p>
             <a:fld id="{B4C0091E-5610-487D-BACF-A764EC392025}" type="datetimeFigureOut">
               <a:rPr lang="zh-CN" altLang="en-US" smtClean="0"/>
-              <a:t>2019/11/20</a:t>
+              <a:t>2019/11/24 Sunday</a:t>
             </a:fld>
             <a:endParaRPr lang="zh-CN" altLang="en-US"/>
           </a:p>
@@ -864,7 +864,7 @@
           <a:p>
             <a:fld id="{B4C0091E-5610-487D-BACF-A764EC392025}" type="datetimeFigureOut">
               <a:rPr lang="zh-CN" altLang="en-US" smtClean="0"/>
-              <a:t>2019/11/20</a:t>
+              <a:t>2019/11/24 Sunday</a:t>
             </a:fld>
             <a:endParaRPr lang="zh-CN" altLang="en-US"/>
           </a:p>
@@ -1139,7 +1139,7 @@
           <a:p>
             <a:fld id="{B4C0091E-5610-487D-BACF-A764EC392025}" type="datetimeFigureOut">
               <a:rPr lang="zh-CN" altLang="en-US" smtClean="0"/>
-              <a:t>2019/11/20</a:t>
+              <a:t>2019/11/24 Sunday</a:t>
             </a:fld>
             <a:endParaRPr lang="zh-CN" altLang="en-US"/>
           </a:p>
@@ -1404,7 +1404,7 @@
           <a:p>
             <a:fld id="{B4C0091E-5610-487D-BACF-A764EC392025}" type="datetimeFigureOut">
               <a:rPr lang="zh-CN" altLang="en-US" smtClean="0"/>
-              <a:t>2019/11/20</a:t>
+              <a:t>2019/11/24 Sunday</a:t>
             </a:fld>
             <a:endParaRPr lang="zh-CN" altLang="en-US"/>
           </a:p>
@@ -1816,7 +1816,7 @@
           <a:p>
             <a:fld id="{B4C0091E-5610-487D-BACF-A764EC392025}" type="datetimeFigureOut">
               <a:rPr lang="zh-CN" altLang="en-US" smtClean="0"/>
-              <a:t>2019/11/20</a:t>
+              <a:t>2019/11/24 Sunday</a:t>
             </a:fld>
             <a:endParaRPr lang="zh-CN" altLang="en-US"/>
           </a:p>
@@ -1957,7 +1957,7 @@
           <a:p>
             <a:fld id="{B4C0091E-5610-487D-BACF-A764EC392025}" type="datetimeFigureOut">
               <a:rPr lang="zh-CN" altLang="en-US" smtClean="0"/>
-              <a:t>2019/11/20</a:t>
+              <a:t>2019/11/24 Sunday</a:t>
             </a:fld>
             <a:endParaRPr lang="zh-CN" altLang="en-US"/>
           </a:p>
@@ -2070,7 +2070,7 @@
           <a:p>
             <a:fld id="{B4C0091E-5610-487D-BACF-A764EC392025}" type="datetimeFigureOut">
               <a:rPr lang="zh-CN" altLang="en-US" smtClean="0"/>
-              <a:t>2019/11/20</a:t>
+              <a:t>2019/11/24 Sunday</a:t>
             </a:fld>
             <a:endParaRPr lang="zh-CN" altLang="en-US"/>
           </a:p>
@@ -2381,7 +2381,7 @@
           <a:p>
             <a:fld id="{B4C0091E-5610-487D-BACF-A764EC392025}" type="datetimeFigureOut">
               <a:rPr lang="zh-CN" altLang="en-US" smtClean="0"/>
-              <a:t>2019/11/20</a:t>
+              <a:t>2019/11/24 Sunday</a:t>
             </a:fld>
             <a:endParaRPr lang="zh-CN" altLang="en-US"/>
           </a:p>
@@ -2669,7 +2669,7 @@
           <a:p>
             <a:fld id="{B4C0091E-5610-487D-BACF-A764EC392025}" type="datetimeFigureOut">
               <a:rPr lang="zh-CN" altLang="en-US" smtClean="0"/>
-              <a:t>2019/11/20</a:t>
+              <a:t>2019/11/24 Sunday</a:t>
             </a:fld>
             <a:endParaRPr lang="zh-CN" altLang="en-US"/>
           </a:p>
@@ -2910,7 +2910,7 @@
           <a:p>
             <a:fld id="{B4C0091E-5610-487D-BACF-A764EC392025}" type="datetimeFigureOut">
               <a:rPr lang="zh-CN" altLang="en-US" smtClean="0"/>
-              <a:t>2019/11/20</a:t>
+              <a:t>2019/11/24 Sunday</a:t>
             </a:fld>
             <a:endParaRPr lang="zh-CN" altLang="en-US"/>
           </a:p>
@@ -3313,6 +3313,17 @@
 <file path=ppt/slides/slide1.xml><?xml version="1.0" encoding="utf-8"?>
 <p:sld xmlns:a="http://schemas.openxmlformats.org/drawingml/2006/main" xmlns:r="http://schemas.openxmlformats.org/officeDocument/2006/relationships" xmlns:p="http://schemas.openxmlformats.org/presentationml/2006/main">
   <p:cSld>
+    <p:bg>
+      <p:bgPr>
+        <a:solidFill>
+          <a:schemeClr val="tx1">
+            <a:lumMod val="50000"/>
+            <a:lumOff val="50000"/>
+          </a:schemeClr>
+        </a:solidFill>
+        <a:effectLst/>
+      </p:bgPr>
+    </p:bg>
     <p:spTree>
       <p:nvGrpSpPr>
         <p:cNvPr id="1" name=""/>
@@ -3327,242 +3338,24 @@
           <a:chExt cx="0" cy="0"/>
         </a:xfrm>
       </p:grpSpPr>
-      <p:grpSp>
-        <p:nvGrpSpPr>
-          <p:cNvPr id="7" name="组合 6">
-            <a:extLst>
-              <a:ext uri="{FF2B5EF4-FFF2-40B4-BE49-F238E27FC236}">
-                <a16:creationId xmlns:a16="http://schemas.microsoft.com/office/drawing/2014/main" id="{2E49B8A2-ACC5-4998-AB88-A5CFEAD3DA5C}"/>
-              </a:ext>
-            </a:extLst>
-          </p:cNvPr>
-          <p:cNvGrpSpPr/>
-          <p:nvPr/>
-        </p:nvGrpSpPr>
-        <p:grpSpPr>
-          <a:xfrm>
-            <a:off x="2903621" y="1427746"/>
-            <a:ext cx="6240379" cy="3474454"/>
-            <a:chOff x="2903621" y="1427746"/>
-            <a:chExt cx="6240379" cy="3474454"/>
-          </a:xfrm>
-        </p:grpSpPr>
-        <p:sp>
-          <p:nvSpPr>
-            <p:cNvPr id="4" name="矩形: 圆角 3">
-              <a:extLst>
-                <a:ext uri="{FF2B5EF4-FFF2-40B4-BE49-F238E27FC236}">
-                  <a16:creationId xmlns:a16="http://schemas.microsoft.com/office/drawing/2014/main" id="{24A070EF-9D5A-4A92-8207-D7FDFFDF3139}"/>
-                </a:ext>
-              </a:extLst>
-            </p:cNvPr>
-            <p:cNvSpPr/>
-            <p:nvPr/>
-          </p:nvSpPr>
-          <p:spPr>
-            <a:xfrm>
-              <a:off x="2903621" y="1427746"/>
-              <a:ext cx="6240379" cy="3474454"/>
-            </a:xfrm>
-            <a:prstGeom prst="roundRect">
-              <a:avLst>
-                <a:gd name="adj" fmla="val 7828"/>
-              </a:avLst>
-            </a:prstGeom>
-            <a:solidFill>
-              <a:schemeClr val="bg1"/>
-            </a:solidFill>
-            <a:ln>
-              <a:noFill/>
-            </a:ln>
-            <a:effectLst>
-              <a:outerShdw blurRad="101600" dist="38100" dir="5400000" algn="t" rotWithShape="0">
-                <a:prstClr val="black">
-                  <a:alpha val="20000"/>
-                </a:prstClr>
-              </a:outerShdw>
-            </a:effectLst>
-          </p:spPr>
-          <p:style>
-            <a:lnRef idx="2">
-              <a:schemeClr val="accent1">
-                <a:shade val="50000"/>
-              </a:schemeClr>
-            </a:lnRef>
-            <a:fillRef idx="1">
-              <a:schemeClr val="accent1"/>
-            </a:fillRef>
-            <a:effectRef idx="0">
-              <a:schemeClr val="accent1"/>
-            </a:effectRef>
-            <a:fontRef idx="minor">
-              <a:schemeClr val="lt1"/>
-            </a:fontRef>
-          </p:style>
-          <p:txBody>
-            <a:bodyPr rtlCol="0" anchor="ctr"/>
-            <a:lstStyle/>
-            <a:p>
-              <a:pPr algn="ctr"/>
-              <a:endParaRPr lang="zh-CN" altLang="en-US"/>
-            </a:p>
-          </p:txBody>
-        </p:sp>
-        <p:sp>
-          <p:nvSpPr>
-            <p:cNvPr id="12" name="任意多边形: 形状 11">
-              <a:extLst>
-                <a:ext uri="{FF2B5EF4-FFF2-40B4-BE49-F238E27FC236}">
-                  <a16:creationId xmlns:a16="http://schemas.microsoft.com/office/drawing/2014/main" id="{1566EFAE-84A2-41C2-956B-A7C72FB666FF}"/>
-                </a:ext>
-              </a:extLst>
-            </p:cNvPr>
-            <p:cNvSpPr/>
-            <p:nvPr/>
-          </p:nvSpPr>
-          <p:spPr>
-            <a:xfrm>
-              <a:off x="2903621" y="1427746"/>
-              <a:ext cx="1846180" cy="3474454"/>
-            </a:xfrm>
-            <a:custGeom>
-              <a:avLst/>
-              <a:gdLst>
-                <a:gd name="connsiteX0" fmla="*/ 271980 w 1846180"/>
-                <a:gd name="connsiteY0" fmla="*/ 0 h 3474454"/>
-                <a:gd name="connsiteX1" fmla="*/ 1846180 w 1846180"/>
-                <a:gd name="connsiteY1" fmla="*/ 0 h 3474454"/>
-                <a:gd name="connsiteX2" fmla="*/ 1846180 w 1846180"/>
-                <a:gd name="connsiteY2" fmla="*/ 3474454 h 3474454"/>
-                <a:gd name="connsiteX3" fmla="*/ 271980 w 1846180"/>
-                <a:gd name="connsiteY3" fmla="*/ 3474454 h 3474454"/>
-                <a:gd name="connsiteX4" fmla="*/ 0 w 1846180"/>
-                <a:gd name="connsiteY4" fmla="*/ 3202474 h 3474454"/>
-                <a:gd name="connsiteX5" fmla="*/ 0 w 1846180"/>
-                <a:gd name="connsiteY5" fmla="*/ 271980 h 3474454"/>
-                <a:gd name="connsiteX6" fmla="*/ 271980 w 1846180"/>
-                <a:gd name="connsiteY6" fmla="*/ 0 h 3474454"/>
-              </a:gdLst>
-              <a:ahLst/>
-              <a:cxnLst>
-                <a:cxn ang="0">
-                  <a:pos x="connsiteX0" y="connsiteY0"/>
-                </a:cxn>
-                <a:cxn ang="0">
-                  <a:pos x="connsiteX1" y="connsiteY1"/>
-                </a:cxn>
-                <a:cxn ang="0">
-                  <a:pos x="connsiteX2" y="connsiteY2"/>
-                </a:cxn>
-                <a:cxn ang="0">
-                  <a:pos x="connsiteX3" y="connsiteY3"/>
-                </a:cxn>
-                <a:cxn ang="0">
-                  <a:pos x="connsiteX4" y="connsiteY4"/>
-                </a:cxn>
-                <a:cxn ang="0">
-                  <a:pos x="connsiteX5" y="connsiteY5"/>
-                </a:cxn>
-                <a:cxn ang="0">
-                  <a:pos x="connsiteX6" y="connsiteY6"/>
-                </a:cxn>
-              </a:cxnLst>
-              <a:rect l="l" t="t" r="r" b="b"/>
-              <a:pathLst>
-                <a:path w="1846180" h="3474454">
-                  <a:moveTo>
-                    <a:pt x="271980" y="0"/>
-                  </a:moveTo>
-                  <a:lnTo>
-                    <a:pt x="1846180" y="0"/>
-                  </a:lnTo>
-                  <a:lnTo>
-                    <a:pt x="1846180" y="3474454"/>
-                  </a:lnTo>
-                  <a:lnTo>
-                    <a:pt x="271980" y="3474454"/>
-                  </a:lnTo>
-                  <a:cubicBezTo>
-                    <a:pt x="121770" y="3474454"/>
-                    <a:pt x="0" y="3352684"/>
-                    <a:pt x="0" y="3202474"/>
-                  </a:cubicBezTo>
-                  <a:lnTo>
-                    <a:pt x="0" y="271980"/>
-                  </a:lnTo>
-                  <a:cubicBezTo>
-                    <a:pt x="0" y="121770"/>
-                    <a:pt x="121770" y="0"/>
-                    <a:pt x="271980" y="0"/>
-                  </a:cubicBezTo>
-                  <a:close/>
-                </a:path>
-              </a:pathLst>
-            </a:custGeom>
-            <a:blipFill dpi="0" rotWithShape="1">
-              <a:blip r:embed="rId2">
-                <a:extLst>
-                  <a:ext uri="{28A0092B-C50C-407E-A947-70E740481C1C}">
-                    <a14:useLocalDpi xmlns:a14="http://schemas.microsoft.com/office/drawing/2010/main" val="0"/>
-                  </a:ext>
-                </a:extLst>
-              </a:blip>
-              <a:srcRect/>
-              <a:stretch>
-                <a:fillRect/>
-              </a:stretch>
-            </a:blipFill>
-            <a:ln>
-              <a:noFill/>
-            </a:ln>
-            <a:effectLst/>
-          </p:spPr>
-          <p:style>
-            <a:lnRef idx="2">
-              <a:schemeClr val="accent1">
-                <a:shade val="50000"/>
-              </a:schemeClr>
-            </a:lnRef>
-            <a:fillRef idx="1">
-              <a:schemeClr val="accent1"/>
-            </a:fillRef>
-            <a:effectRef idx="0">
-              <a:schemeClr val="accent1"/>
-            </a:effectRef>
-            <a:fontRef idx="minor">
-              <a:schemeClr val="lt1"/>
-            </a:fontRef>
-          </p:style>
-          <p:txBody>
-            <a:bodyPr rtlCol="0" anchor="ctr"/>
-            <a:lstStyle/>
-            <a:p>
-              <a:pPr algn="ctr"/>
-              <a:endParaRPr lang="zh-CN" altLang="en-US"/>
-            </a:p>
-          </p:txBody>
-        </p:sp>
-      </p:grpSp>
-      <p:sp>
-        <p:nvSpPr>
-          <p:cNvPr id="8" name="椭圆 7">
-            <a:extLst>
-              <a:ext uri="{FF2B5EF4-FFF2-40B4-BE49-F238E27FC236}">
-                <a16:creationId xmlns:a16="http://schemas.microsoft.com/office/drawing/2014/main" id="{2ACD96C1-ECD9-4C10-9FD2-C081DB3548D2}"/>
-              </a:ext>
-            </a:extLst>
-          </p:cNvPr>
-          <p:cNvSpPr>
-            <a:spLocks/>
-          </p:cNvSpPr>
+      <p:sp>
+        <p:nvSpPr>
+          <p:cNvPr id="9" name="矩形 8">
+            <a:extLst>
+              <a:ext uri="{FF2B5EF4-FFF2-40B4-BE49-F238E27FC236}">
+                <a16:creationId xmlns:a16="http://schemas.microsoft.com/office/drawing/2014/main" id="{DF659875-7B8C-43AE-9454-05D24DA09B57}"/>
+              </a:ext>
+            </a:extLst>
+          </p:cNvPr>
+          <p:cNvSpPr/>
           <p:nvPr/>
         </p:nvSpPr>
         <p:spPr>
           <a:xfrm>
-            <a:off x="5736000" y="4542200"/>
-            <a:ext cx="612000" cy="612000"/>
+            <a:off x="2903621" y="1427745"/>
+            <a:ext cx="4625760" cy="4428571"/>
           </a:xfrm>
-          <a:prstGeom prst="ellipse">
+          <a:prstGeom prst="rect">
             <a:avLst/>
           </a:prstGeom>
           <a:solidFill>
@@ -3572,9 +3365,83 @@
             <a:noFill/>
           </a:ln>
           <a:effectLst>
+            <a:outerShdw blurRad="406400" dist="342900" dir="5400000" sx="94000" sy="94000" algn="t" rotWithShape="0">
+              <a:prstClr val="black">
+                <a:alpha val="50000"/>
+              </a:prstClr>
+            </a:outerShdw>
+          </a:effectLst>
+        </p:spPr>
+        <p:style>
+          <a:lnRef idx="2">
+            <a:schemeClr val="accent1">
+              <a:shade val="50000"/>
+            </a:schemeClr>
+          </a:lnRef>
+          <a:fillRef idx="1">
+            <a:schemeClr val="accent1"/>
+          </a:fillRef>
+          <a:effectRef idx="0">
+            <a:schemeClr val="accent1"/>
+          </a:effectRef>
+          <a:fontRef idx="minor">
+            <a:schemeClr val="lt1"/>
+          </a:fontRef>
+        </p:style>
+        <p:txBody>
+          <a:bodyPr rtlCol="0" anchor="ctr"/>
+          <a:lstStyle/>
+          <a:p>
+            <a:pPr algn="ctr"/>
+            <a:endParaRPr lang="zh-CN" altLang="en-US"/>
+          </a:p>
+        </p:txBody>
+      </p:sp>
+      <p:sp>
+        <p:nvSpPr>
+          <p:cNvPr id="6" name="矩形: 圆角 5">
+            <a:extLst>
+              <a:ext uri="{FF2B5EF4-FFF2-40B4-BE49-F238E27FC236}">
+                <a16:creationId xmlns:a16="http://schemas.microsoft.com/office/drawing/2014/main" id="{2A19D1DA-B031-4B94-8F05-EBDE642F3689}"/>
+              </a:ext>
+            </a:extLst>
+          </p:cNvPr>
+          <p:cNvSpPr>
+            <a:spLocks/>
+          </p:cNvSpPr>
+          <p:nvPr/>
+        </p:nvSpPr>
+        <p:spPr>
+          <a:xfrm>
+            <a:off x="4590362" y="5199144"/>
+            <a:ext cx="1247013" cy="435284"/>
+          </a:xfrm>
+          <a:prstGeom prst="roundRect">
+            <a:avLst>
+              <a:gd name="adj" fmla="val 50000"/>
+            </a:avLst>
+          </a:prstGeom>
+          <a:gradFill flip="none" rotWithShape="1">
+            <a:gsLst>
+              <a:gs pos="0">
+                <a:srgbClr val="00AFF4"/>
+              </a:gs>
+              <a:gs pos="100000">
+                <a:srgbClr val="00E976"/>
+              </a:gs>
+            </a:gsLst>
+            <a:path path="circle">
+              <a:fillToRect r="100000" b="100000"/>
+            </a:path>
+            <a:tileRect l="-100000" t="-100000"/>
+          </a:gradFill>
+          <a:ln>
+            <a:noFill/>
+          </a:ln>
+          <a:effectLst>
             <a:outerShdw blurRad="101600" dist="38100" dir="5400000" algn="t" rotWithShape="0">
-              <a:srgbClr val="FF0000">
-                <a:alpha val="30000"/>
+              <a:srgbClr val="36D8EA">
+                <a:alpha val="70000"/>
               </a:srgbClr>
             </a:outerShdw>
           </a:effectLst>
@@ -3601,27 +3468,451 @@
           <a:p>
             <a:pPr algn="ctr"/>
             <a:r>
-              <a:rPr lang="en-US" altLang="zh-CN" sz="3200" dirty="0">
+              <a:rPr lang="en-US" altLang="zh-CN" sz="1600" dirty="0">
                 <a:solidFill>
-                  <a:srgbClr val="FF0000">
-                    <a:alpha val="50000"/>
-                  </a:srgbClr>
+                  <a:schemeClr val="bg1"/>
                 </a:solidFill>
                 <a:latin typeface="Abadi" panose="020B0604020202020204" pitchFamily="34" charset="0"/>
               </a:rPr>
-              <a:t>×</a:t>
-            </a:r>
-            <a:endParaRPr lang="zh-CN" altLang="en-US" sz="3200" dirty="0">
+              <a:t>Go</a:t>
+            </a:r>
+            <a:endParaRPr lang="zh-CN" altLang="en-US" sz="1600" dirty="0">
               <a:solidFill>
-                <a:srgbClr val="FF0000">
-                  <a:alpha val="50000"/>
-                </a:srgbClr>
+                <a:schemeClr val="bg1"/>
               </a:solidFill>
               <a:latin typeface="Abadi" panose="020B0604020202020204" pitchFamily="34" charset="0"/>
             </a:endParaRPr>
           </a:p>
         </p:txBody>
       </p:sp>
+      <p:sp>
+        <p:nvSpPr>
+          <p:cNvPr id="17" name="矩形 16">
+            <a:extLst>
+              <a:ext uri="{FF2B5EF4-FFF2-40B4-BE49-F238E27FC236}">
+                <a16:creationId xmlns:a16="http://schemas.microsoft.com/office/drawing/2014/main" id="{658AC5E8-4620-4870-8797-C10B6975376E}"/>
+              </a:ext>
+            </a:extLst>
+          </p:cNvPr>
+          <p:cNvSpPr/>
+          <p:nvPr/>
+        </p:nvSpPr>
+        <p:spPr>
+          <a:xfrm>
+            <a:off x="2903621" y="1427743"/>
+            <a:ext cx="4625760" cy="2596959"/>
+          </a:xfrm>
+          <a:prstGeom prst="rect">
+            <a:avLst/>
+          </a:prstGeom>
+          <a:gradFill flip="none" rotWithShape="1">
+            <a:gsLst>
+              <a:gs pos="0">
+                <a:srgbClr val="44537C"/>
+              </a:gs>
+              <a:gs pos="100000">
+                <a:srgbClr val="7958AF"/>
+              </a:gs>
+            </a:gsLst>
+            <a:lin ang="2700000" scaled="1"/>
+            <a:tileRect/>
+          </a:gradFill>
+          <a:ln>
+            <a:noFill/>
+          </a:ln>
+          <a:effectLst/>
+        </p:spPr>
+        <p:style>
+          <a:lnRef idx="2">
+            <a:schemeClr val="accent1">
+              <a:shade val="50000"/>
+            </a:schemeClr>
+          </a:lnRef>
+          <a:fillRef idx="1">
+            <a:schemeClr val="accent1"/>
+          </a:fillRef>
+          <a:effectRef idx="0">
+            <a:schemeClr val="accent1"/>
+          </a:effectRef>
+          <a:fontRef idx="minor">
+            <a:schemeClr val="lt1"/>
+          </a:fontRef>
+        </p:style>
+        <p:txBody>
+          <a:bodyPr rtlCol="0" anchor="ctr"/>
+          <a:lstStyle/>
+          <a:p>
+            <a:pPr algn="ctr"/>
+            <a:endParaRPr lang="zh-CN" altLang="en-US"/>
+          </a:p>
+        </p:txBody>
+      </p:sp>
+      <p:sp>
+        <p:nvSpPr>
+          <p:cNvPr id="3" name="文本框 2">
+            <a:extLst>
+              <a:ext uri="{FF2B5EF4-FFF2-40B4-BE49-F238E27FC236}">
+                <a16:creationId xmlns:a16="http://schemas.microsoft.com/office/drawing/2014/main" id="{21BEEC38-9111-48AB-8A40-6B386E3C775B}"/>
+              </a:ext>
+            </a:extLst>
+          </p:cNvPr>
+          <p:cNvSpPr txBox="1"/>
+          <p:nvPr/>
+        </p:nvSpPr>
+        <p:spPr>
+          <a:xfrm>
+            <a:off x="4198208" y="3037471"/>
+            <a:ext cx="2031325" cy="338554"/>
+          </a:xfrm>
+          <a:prstGeom prst="rect">
+            <a:avLst/>
+          </a:prstGeom>
+          <a:noFill/>
+        </p:spPr>
+        <p:txBody>
+          <a:bodyPr wrap="none" rtlCol="0">
+            <a:spAutoFit/>
+          </a:bodyPr>
+          <a:lstStyle/>
+          <a:p>
+            <a:pPr algn="ctr"/>
+            <a:r>
+              <a:rPr lang="zh-CN" altLang="en-US" sz="1600" dirty="0">
+                <a:solidFill>
+                  <a:schemeClr val="bg1"/>
+                </a:solidFill>
+                <a:latin typeface="微软雅黑" panose="020B0503020204020204" pitchFamily="34" charset="-122"/>
+                <a:ea typeface="微软雅黑" panose="020B0503020204020204" pitchFamily="34" charset="-122"/>
+              </a:rPr>
+              <a:t>高一五班专属摇号机</a:t>
+            </a:r>
+          </a:p>
+        </p:txBody>
+      </p:sp>
+      <p:sp>
+        <p:nvSpPr>
+          <p:cNvPr id="13" name="文本框 12">
+            <a:extLst>
+              <a:ext uri="{FF2B5EF4-FFF2-40B4-BE49-F238E27FC236}">
+                <a16:creationId xmlns:a16="http://schemas.microsoft.com/office/drawing/2014/main" id="{D6980787-4C29-4A48-B119-E6AC9619C705}"/>
+              </a:ext>
+            </a:extLst>
+          </p:cNvPr>
+          <p:cNvSpPr txBox="1"/>
+          <p:nvPr/>
+        </p:nvSpPr>
+        <p:spPr>
+          <a:xfrm>
+            <a:off x="4654902" y="3357774"/>
+            <a:ext cx="1117935" cy="276999"/>
+          </a:xfrm>
+          <a:prstGeom prst="rect">
+            <a:avLst/>
+          </a:prstGeom>
+          <a:noFill/>
+        </p:spPr>
+        <p:txBody>
+          <a:bodyPr wrap="none" rtlCol="0">
+            <a:spAutoFit/>
+          </a:bodyPr>
+          <a:lstStyle/>
+          <a:p>
+            <a:pPr algn="ctr"/>
+            <a:r>
+              <a:rPr lang="en-US" altLang="zh-CN" sz="1200" dirty="0">
+                <a:solidFill>
+                  <a:schemeClr val="bg1">
+                    <a:alpha val="50000"/>
+                  </a:schemeClr>
+                </a:solidFill>
+                <a:latin typeface="微软雅黑" panose="020B0503020204020204" pitchFamily="34" charset="-122"/>
+                <a:ea typeface="微软雅黑" panose="020B0503020204020204" pitchFamily="34" charset="-122"/>
+              </a:rPr>
+              <a:t>Version 3.0.0</a:t>
+            </a:r>
+            <a:endParaRPr lang="zh-CN" altLang="en-US" sz="1200" dirty="0">
+              <a:solidFill>
+                <a:schemeClr val="bg1">
+                  <a:alpha val="50000"/>
+                </a:schemeClr>
+              </a:solidFill>
+              <a:latin typeface="微软雅黑" panose="020B0503020204020204" pitchFamily="34" charset="-122"/>
+              <a:ea typeface="微软雅黑" panose="020B0503020204020204" pitchFamily="34" charset="-122"/>
+            </a:endParaRPr>
+          </a:p>
+        </p:txBody>
+      </p:sp>
+      <p:sp>
+        <p:nvSpPr>
+          <p:cNvPr id="15" name="文本框 14">
+            <a:extLst>
+              <a:ext uri="{FF2B5EF4-FFF2-40B4-BE49-F238E27FC236}">
+                <a16:creationId xmlns:a16="http://schemas.microsoft.com/office/drawing/2014/main" id="{75F1ACCB-00B0-4FEA-AC4D-65855533B95F}"/>
+              </a:ext>
+            </a:extLst>
+          </p:cNvPr>
+          <p:cNvSpPr txBox="1"/>
+          <p:nvPr/>
+        </p:nvSpPr>
+        <p:spPr>
+          <a:xfrm>
+            <a:off x="3014770" y="1558783"/>
+            <a:ext cx="641522" cy="276999"/>
+          </a:xfrm>
+          <a:prstGeom prst="rect">
+            <a:avLst/>
+          </a:prstGeom>
+          <a:noFill/>
+        </p:spPr>
+        <p:txBody>
+          <a:bodyPr wrap="none" rtlCol="0">
+            <a:spAutoFit/>
+          </a:bodyPr>
+          <a:lstStyle/>
+          <a:p>
+            <a:r>
+              <a:rPr lang="en-US" altLang="zh-CN" sz="1200" dirty="0">
+                <a:solidFill>
+                  <a:schemeClr val="bg1">
+                    <a:alpha val="30000"/>
+                  </a:schemeClr>
+                </a:solidFill>
+                <a:latin typeface="微软雅黑" panose="020B0503020204020204" pitchFamily="34" charset="-122"/>
+                <a:ea typeface="微软雅黑" panose="020B0503020204020204" pitchFamily="34" charset="-122"/>
+              </a:rPr>
+              <a:t>About</a:t>
+            </a:r>
+            <a:endParaRPr lang="zh-CN" altLang="en-US" sz="1200" dirty="0">
+              <a:solidFill>
+                <a:schemeClr val="bg1">
+                  <a:alpha val="30000"/>
+                </a:schemeClr>
+              </a:solidFill>
+              <a:latin typeface="微软雅黑" panose="020B0503020204020204" pitchFamily="34" charset="-122"/>
+              <a:ea typeface="微软雅黑" panose="020B0503020204020204" pitchFamily="34" charset="-122"/>
+            </a:endParaRPr>
+          </a:p>
+        </p:txBody>
+      </p:sp>
+      <p:pic>
+        <p:nvPicPr>
+          <p:cNvPr id="18" name="图片 17" descr="图片包含 游戏机&#10;&#10;描述已自动生成">
+            <a:extLst>
+              <a:ext uri="{FF2B5EF4-FFF2-40B4-BE49-F238E27FC236}">
+                <a16:creationId xmlns:a16="http://schemas.microsoft.com/office/drawing/2014/main" id="{97D6F8D2-C4D2-44AF-A8A1-11ED85AB8FCA}"/>
+              </a:ext>
+            </a:extLst>
+          </p:cNvPr>
+          <p:cNvPicPr>
+            <a:picLocks noChangeAspect="1"/>
+          </p:cNvPicPr>
+          <p:nvPr/>
+        </p:nvPicPr>
+        <p:blipFill>
+          <a:blip r:embed="rId2">
+            <a:extLst>
+              <a:ext uri="{BEBA8EAE-BF5A-486C-A8C5-ECC9F3942E4B}">
+                <a14:imgProps xmlns:a14="http://schemas.microsoft.com/office/drawing/2010/main">
+                  <a14:imgLayer r:embed="rId3">
+                    <a14:imgEffect>
+                      <a14:brightnessContrast bright="100000"/>
+                    </a14:imgEffect>
+                  </a14:imgLayer>
+                </a14:imgProps>
+              </a:ext>
+              <a:ext uri="{28A0092B-C50C-407E-A947-70E740481C1C}">
+                <a14:useLocalDpi xmlns:a14="http://schemas.microsoft.com/office/drawing/2010/main" val="0"/>
+              </a:ext>
+            </a:extLst>
+          </a:blip>
+          <a:stretch>
+            <a:fillRect/>
+          </a:stretch>
+        </p:blipFill>
+        <p:spPr>
+          <a:xfrm>
+            <a:off x="4828969" y="2178670"/>
+            <a:ext cx="775065" cy="775065"/>
+          </a:xfrm>
+          <a:prstGeom prst="rect">
+            <a:avLst/>
+          </a:prstGeom>
+        </p:spPr>
+      </p:pic>
+      <p:sp>
+        <p:nvSpPr>
+          <p:cNvPr id="21" name="文本框 20">
+            <a:extLst>
+              <a:ext uri="{FF2B5EF4-FFF2-40B4-BE49-F238E27FC236}">
+                <a16:creationId xmlns:a16="http://schemas.microsoft.com/office/drawing/2014/main" id="{1F84D9F8-45C8-4AEA-99F1-41F2FB336EB8}"/>
+              </a:ext>
+            </a:extLst>
+          </p:cNvPr>
+          <p:cNvSpPr txBox="1"/>
+          <p:nvPr/>
+        </p:nvSpPr>
+        <p:spPr>
+          <a:xfrm>
+            <a:off x="6836200" y="1574516"/>
+            <a:ext cx="529312" cy="276999"/>
+          </a:xfrm>
+          <a:prstGeom prst="rect">
+            <a:avLst/>
+          </a:prstGeom>
+          <a:noFill/>
+        </p:spPr>
+        <p:txBody>
+          <a:bodyPr wrap="none" rtlCol="0">
+            <a:spAutoFit/>
+          </a:bodyPr>
+          <a:lstStyle/>
+          <a:p>
+            <a:r>
+              <a:rPr lang="en-US" altLang="zh-CN" sz="1200" dirty="0">
+                <a:solidFill>
+                  <a:schemeClr val="bg1">
+                    <a:alpha val="30000"/>
+                  </a:schemeClr>
+                </a:solidFill>
+                <a:latin typeface="微软雅黑" panose="020B0503020204020204" pitchFamily="34" charset="-122"/>
+                <a:ea typeface="微软雅黑" panose="020B0503020204020204" pitchFamily="34" charset="-122"/>
+              </a:rPr>
+              <a:t>Hide</a:t>
+            </a:r>
+            <a:endParaRPr lang="zh-CN" altLang="en-US" sz="1200" dirty="0">
+              <a:solidFill>
+                <a:schemeClr val="bg1">
+                  <a:alpha val="30000"/>
+                </a:schemeClr>
+              </a:solidFill>
+              <a:latin typeface="微软雅黑" panose="020B0503020204020204" pitchFamily="34" charset="-122"/>
+              <a:ea typeface="微软雅黑" panose="020B0503020204020204" pitchFamily="34" charset="-122"/>
+            </a:endParaRPr>
+          </a:p>
+        </p:txBody>
+      </p:sp>
+      <p:sp>
+        <p:nvSpPr>
+          <p:cNvPr id="23" name="椭圆 22">
+            <a:extLst>
+              <a:ext uri="{FF2B5EF4-FFF2-40B4-BE49-F238E27FC236}">
+                <a16:creationId xmlns:a16="http://schemas.microsoft.com/office/drawing/2014/main" id="{B4E3366D-DCE3-4752-99AB-CEEC947EC9CF}"/>
+              </a:ext>
+            </a:extLst>
+          </p:cNvPr>
+          <p:cNvSpPr>
+            <a:spLocks/>
+          </p:cNvSpPr>
+          <p:nvPr/>
+        </p:nvSpPr>
+        <p:spPr>
+          <a:xfrm>
+            <a:off x="8154882" y="2693810"/>
+            <a:ext cx="669086" cy="663964"/>
+          </a:xfrm>
+          <a:prstGeom prst="ellipse">
+            <a:avLst/>
+          </a:prstGeom>
+          <a:gradFill flip="none" rotWithShape="1">
+            <a:gsLst>
+              <a:gs pos="0">
+                <a:srgbClr val="7958AF"/>
+              </a:gs>
+              <a:gs pos="100000">
+                <a:srgbClr val="44537C"/>
+              </a:gs>
+            </a:gsLst>
+            <a:path path="circle">
+              <a:fillToRect r="100000" b="100000"/>
+            </a:path>
+            <a:tileRect l="-100000" t="-100000"/>
+          </a:gradFill>
+          <a:ln>
+            <a:noFill/>
+          </a:ln>
+          <a:effectLst>
+            <a:outerShdw blurRad="101600" dist="38100" dir="5400000" algn="t" rotWithShape="0">
+              <a:srgbClr val="7958AF">
+                <a:alpha val="70000"/>
+              </a:srgbClr>
+            </a:outerShdw>
+          </a:effectLst>
+        </p:spPr>
+        <p:style>
+          <a:lnRef idx="2">
+            <a:schemeClr val="accent1">
+              <a:shade val="50000"/>
+            </a:schemeClr>
+          </a:lnRef>
+          <a:fillRef idx="1">
+            <a:schemeClr val="accent1"/>
+          </a:fillRef>
+          <a:effectRef idx="0">
+            <a:schemeClr val="accent1"/>
+          </a:effectRef>
+          <a:fontRef idx="minor">
+            <a:schemeClr val="lt1"/>
+          </a:fontRef>
+        </p:style>
+        <p:txBody>
+          <a:bodyPr rtlCol="0" anchor="ctr"/>
+          <a:lstStyle/>
+          <a:p>
+            <a:pPr algn="ctr"/>
+            <a:endParaRPr lang="zh-CN" altLang="en-US" sz="1600" dirty="0">
+              <a:solidFill>
+                <a:schemeClr val="bg1"/>
+              </a:solidFill>
+              <a:latin typeface="Abadi" panose="020B0604020202020204" pitchFamily="34" charset="0"/>
+            </a:endParaRPr>
+          </a:p>
+        </p:txBody>
+      </p:sp>
+      <p:pic>
+        <p:nvPicPr>
+          <p:cNvPr id="22" name="图片 21" descr="图片包含 游戏机&#10;&#10;描述已自动生成">
+            <a:extLst>
+              <a:ext uri="{FF2B5EF4-FFF2-40B4-BE49-F238E27FC236}">
+                <a16:creationId xmlns:a16="http://schemas.microsoft.com/office/drawing/2014/main" id="{93C0C927-93C0-499D-9F8D-FB9BCB42BCDE}"/>
+              </a:ext>
+            </a:extLst>
+          </p:cNvPr>
+          <p:cNvPicPr>
+            <a:picLocks noChangeAspect="1"/>
+          </p:cNvPicPr>
+          <p:nvPr/>
+        </p:nvPicPr>
+        <p:blipFill>
+          <a:blip r:embed="rId2">
+            <a:extLst>
+              <a:ext uri="{BEBA8EAE-BF5A-486C-A8C5-ECC9F3942E4B}">
+                <a14:imgProps xmlns:a14="http://schemas.microsoft.com/office/drawing/2010/main">
+                  <a14:imgLayer r:embed="rId3">
+                    <a14:imgEffect>
+                      <a14:brightnessContrast bright="100000"/>
+                    </a14:imgEffect>
+                  </a14:imgLayer>
+                </a14:imgProps>
+              </a:ext>
+              <a:ext uri="{28A0092B-C50C-407E-A947-70E740481C1C}">
+                <a14:useLocalDpi xmlns:a14="http://schemas.microsoft.com/office/drawing/2010/main" val="0"/>
+              </a:ext>
+            </a:extLst>
+          </a:blip>
+          <a:stretch>
+            <a:fillRect/>
+          </a:stretch>
+        </p:blipFill>
+        <p:spPr>
+          <a:xfrm>
+            <a:off x="8305418" y="2850834"/>
+            <a:ext cx="373273" cy="373273"/>
+          </a:xfrm>
+          <a:prstGeom prst="rect">
+            <a:avLst/>
+          </a:prstGeom>
+        </p:spPr>
+      </p:pic>
     </p:spTree>
     <p:extLst>
       <p:ext uri="{BB962C8B-B14F-4D97-AF65-F5344CB8AC3E}">

--- a/UI.pptx
+++ b/UI.pptx
@@ -260,7 +260,7 @@
           <a:p>
             <a:fld id="{B4C0091E-5610-487D-BACF-A764EC392025}" type="datetimeFigureOut">
               <a:rPr lang="zh-CN" altLang="en-US" smtClean="0"/>
-              <a:t>2019/11/24 Sunday</a:t>
+              <a:t>2019/11/26</a:t>
             </a:fld>
             <a:endParaRPr lang="zh-CN" altLang="en-US"/>
           </a:p>
@@ -458,7 +458,7 @@
           <a:p>
             <a:fld id="{B4C0091E-5610-487D-BACF-A764EC392025}" type="datetimeFigureOut">
               <a:rPr lang="zh-CN" altLang="en-US" smtClean="0"/>
-              <a:t>2019/11/24 Sunday</a:t>
+              <a:t>2019/11/26</a:t>
             </a:fld>
             <a:endParaRPr lang="zh-CN" altLang="en-US"/>
           </a:p>
@@ -666,7 +666,7 @@
           <a:p>
             <a:fld id="{B4C0091E-5610-487D-BACF-A764EC392025}" type="datetimeFigureOut">
               <a:rPr lang="zh-CN" altLang="en-US" smtClean="0"/>
-              <a:t>2019/11/24 Sunday</a:t>
+              <a:t>2019/11/26</a:t>
             </a:fld>
             <a:endParaRPr lang="zh-CN" altLang="en-US"/>
           </a:p>
@@ -864,7 +864,7 @@
           <a:p>
             <a:fld id="{B4C0091E-5610-487D-BACF-A764EC392025}" type="datetimeFigureOut">
               <a:rPr lang="zh-CN" altLang="en-US" smtClean="0"/>
-              <a:t>2019/11/24 Sunday</a:t>
+              <a:t>2019/11/26</a:t>
             </a:fld>
             <a:endParaRPr lang="zh-CN" altLang="en-US"/>
           </a:p>
@@ -1139,7 +1139,7 @@
           <a:p>
             <a:fld id="{B4C0091E-5610-487D-BACF-A764EC392025}" type="datetimeFigureOut">
               <a:rPr lang="zh-CN" altLang="en-US" smtClean="0"/>
-              <a:t>2019/11/24 Sunday</a:t>
+              <a:t>2019/11/26</a:t>
             </a:fld>
             <a:endParaRPr lang="zh-CN" altLang="en-US"/>
           </a:p>
@@ -1404,7 +1404,7 @@
           <a:p>
             <a:fld id="{B4C0091E-5610-487D-BACF-A764EC392025}" type="datetimeFigureOut">
               <a:rPr lang="zh-CN" altLang="en-US" smtClean="0"/>
-              <a:t>2019/11/24 Sunday</a:t>
+              <a:t>2019/11/26</a:t>
             </a:fld>
             <a:endParaRPr lang="zh-CN" altLang="en-US"/>
           </a:p>
@@ -1816,7 +1816,7 @@
           <a:p>
             <a:fld id="{B4C0091E-5610-487D-BACF-A764EC392025}" type="datetimeFigureOut">
               <a:rPr lang="zh-CN" altLang="en-US" smtClean="0"/>
-              <a:t>2019/11/24 Sunday</a:t>
+              <a:t>2019/11/26</a:t>
             </a:fld>
             <a:endParaRPr lang="zh-CN" altLang="en-US"/>
           </a:p>
@@ -1957,7 +1957,7 @@
           <a:p>
             <a:fld id="{B4C0091E-5610-487D-BACF-A764EC392025}" type="datetimeFigureOut">
               <a:rPr lang="zh-CN" altLang="en-US" smtClean="0"/>
-              <a:t>2019/11/24 Sunday</a:t>
+              <a:t>2019/11/26</a:t>
             </a:fld>
             <a:endParaRPr lang="zh-CN" altLang="en-US"/>
           </a:p>
@@ -2070,7 +2070,7 @@
           <a:p>
             <a:fld id="{B4C0091E-5610-487D-BACF-A764EC392025}" type="datetimeFigureOut">
               <a:rPr lang="zh-CN" altLang="en-US" smtClean="0"/>
-              <a:t>2019/11/24 Sunday</a:t>
+              <a:t>2019/11/26</a:t>
             </a:fld>
             <a:endParaRPr lang="zh-CN" altLang="en-US"/>
           </a:p>
@@ -2381,7 +2381,7 @@
           <a:p>
             <a:fld id="{B4C0091E-5610-487D-BACF-A764EC392025}" type="datetimeFigureOut">
               <a:rPr lang="zh-CN" altLang="en-US" smtClean="0"/>
-              <a:t>2019/11/24 Sunday</a:t>
+              <a:t>2019/11/26</a:t>
             </a:fld>
             <a:endParaRPr lang="zh-CN" altLang="en-US"/>
           </a:p>
@@ -2669,7 +2669,7 @@
           <a:p>
             <a:fld id="{B4C0091E-5610-487D-BACF-A764EC392025}" type="datetimeFigureOut">
               <a:rPr lang="zh-CN" altLang="en-US" smtClean="0"/>
-              <a:t>2019/11/24 Sunday</a:t>
+              <a:t>2019/11/26</a:t>
             </a:fld>
             <a:endParaRPr lang="zh-CN" altLang="en-US"/>
           </a:p>
@@ -2910,7 +2910,7 @@
           <a:p>
             <a:fld id="{B4C0091E-5610-487D-BACF-A764EC392025}" type="datetimeFigureOut">
               <a:rPr lang="zh-CN" altLang="en-US" smtClean="0"/>
-              <a:t>2019/11/24 Sunday</a:t>
+              <a:t>2019/11/26</a:t>
             </a:fld>
             <a:endParaRPr lang="zh-CN" altLang="en-US"/>
           </a:p>
@@ -3507,11 +3507,11 @@
           </a:prstGeom>
           <a:gradFill flip="none" rotWithShape="1">
             <a:gsLst>
+              <a:gs pos="100000">
+                <a:srgbClr val="00E976"/>
+              </a:gs>
               <a:gs pos="0">
-                <a:srgbClr val="44537C"/>
-              </a:gs>
-              <a:gs pos="100000">
-                <a:srgbClr val="7958AF"/>
+                <a:srgbClr val="00AFF4"/>
               </a:gs>
             </a:gsLst>
             <a:lin ang="2700000" scaled="1"/>
@@ -3815,11 +3815,11 @@
           </a:prstGeom>
           <a:gradFill flip="none" rotWithShape="1">
             <a:gsLst>
+              <a:gs pos="100000">
+                <a:srgbClr val="00E976"/>
+              </a:gs>
               <a:gs pos="0">
-                <a:srgbClr val="7958AF"/>
-              </a:gs>
-              <a:gs pos="100000">
-                <a:srgbClr val="44537C"/>
+                <a:srgbClr val="00AFF4"/>
               </a:gs>
             </a:gsLst>
             <a:path path="circle">
@@ -3832,7 +3832,7 @@
           </a:ln>
           <a:effectLst>
             <a:outerShdw blurRad="101600" dist="38100" dir="5400000" algn="t" rotWithShape="0">
-              <a:srgbClr val="7958AF">
+              <a:srgbClr val="00AFF4">
                 <a:alpha val="70000"/>
               </a:srgbClr>
             </a:outerShdw>
@@ -3913,6 +3913,94 @@
           </a:prstGeom>
         </p:spPr>
       </p:pic>
+      <p:sp>
+        <p:nvSpPr>
+          <p:cNvPr id="12" name="矩形: 圆角 11">
+            <a:extLst>
+              <a:ext uri="{FF2B5EF4-FFF2-40B4-BE49-F238E27FC236}">
+                <a16:creationId xmlns:a16="http://schemas.microsoft.com/office/drawing/2014/main" id="{D7E2EDDF-36D4-4105-8851-C345B90064D6}"/>
+              </a:ext>
+            </a:extLst>
+          </p:cNvPr>
+          <p:cNvSpPr>
+            <a:spLocks/>
+          </p:cNvSpPr>
+          <p:nvPr/>
+        </p:nvSpPr>
+        <p:spPr>
+          <a:xfrm>
+            <a:off x="5213868" y="4566536"/>
+            <a:ext cx="1247013" cy="435284"/>
+          </a:xfrm>
+          <a:prstGeom prst="roundRect">
+            <a:avLst>
+              <a:gd name="adj" fmla="val 50000"/>
+            </a:avLst>
+          </a:prstGeom>
+          <a:gradFill>
+            <a:gsLst>
+              <a:gs pos="0">
+                <a:schemeClr val="tx1">
+                  <a:lumMod val="75000"/>
+                  <a:lumOff val="25000"/>
+                </a:schemeClr>
+              </a:gs>
+              <a:gs pos="100000">
+                <a:schemeClr val="tx1">
+                  <a:lumMod val="95000"/>
+                  <a:lumOff val="5000"/>
+                </a:schemeClr>
+              </a:gs>
+            </a:gsLst>
+            <a:path path="circle">
+              <a:fillToRect l="100000" t="100000"/>
+            </a:path>
+          </a:gradFill>
+          <a:ln>
+            <a:noFill/>
+          </a:ln>
+          <a:effectLst>
+            <a:outerShdw blurRad="101600" dist="38100" dir="5400000" algn="t" rotWithShape="0">
+              <a:srgbClr val="44537C">
+                <a:alpha val="40000"/>
+              </a:srgbClr>
+            </a:outerShdw>
+          </a:effectLst>
+        </p:spPr>
+        <p:style>
+          <a:lnRef idx="2">
+            <a:schemeClr val="accent1">
+              <a:shade val="50000"/>
+            </a:schemeClr>
+          </a:lnRef>
+          <a:fillRef idx="1">
+            <a:schemeClr val="accent1"/>
+          </a:fillRef>
+          <a:effectRef idx="0">
+            <a:schemeClr val="accent1"/>
+          </a:effectRef>
+          <a:fontRef idx="minor">
+            <a:schemeClr val="lt1"/>
+          </a:fontRef>
+        </p:style>
+        <p:txBody>
+          <a:bodyPr rtlCol="0" anchor="ctr"/>
+          <a:lstStyle/>
+          <a:p>
+            <a:pPr algn="ctr"/>
+            <a:r>
+              <a:rPr lang="zh-CN" altLang="en-US" sz="1300" dirty="0">
+                <a:solidFill>
+                  <a:schemeClr val="bg1"/>
+                </a:solidFill>
+                <a:latin typeface="微软雅黑" panose="020B0503020204020204" pitchFamily="34" charset="-122"/>
+                <a:ea typeface="微软雅黑" panose="020B0503020204020204" pitchFamily="34" charset="-122"/>
+              </a:rPr>
+              <a:t>下课了哦</a:t>
+            </a:r>
+          </a:p>
+        </p:txBody>
+      </p:sp>
     </p:spTree>
     <p:extLst>
       <p:ext uri="{BB962C8B-B14F-4D97-AF65-F5344CB8AC3E}">
